--- a/Adobe_Test_deck.pptx
+++ b/Adobe_Test_deck.pptx
@@ -4817,7 +4817,7 @@
                   <a:schemeClr val="bg1"/>
                 </a:solidFill>
               </a:rPr>
-              <a:t>A data file drop to s3 bucket generates an event for aws lambda function.</a:t>
+              <a:t>A data file drop to s3 bucket generates an event for AWS lambda function.</a:t>
             </a:r>
           </a:p>
           <a:p>
@@ -5606,34 +5606,18 @@
                   <a:schemeClr val="bg1"/>
                 </a:solidFill>
               </a:rPr>
-              <a:t>Use Snowflake and </a:t>
-            </a:r>
-            <a:r>
-              <a:rPr lang="en-US" sz="2800" dirty="0" err="1">
-                <a:solidFill>
-                  <a:schemeClr val="bg1"/>
-                </a:solidFill>
-              </a:rPr>
-              <a:t>snowpipe</a:t>
-            </a:r>
+              <a:t>Use Snowflake(Storage) and Snowpipe for data pipeline.</a:t>
+            </a:r>
+          </a:p>
+          <a:p>
+            <a:pPr lvl="1"/>
             <a:r>
               <a:rPr lang="en-US" sz="2800" dirty="0">
                 <a:solidFill>
                   <a:schemeClr val="bg1"/>
                 </a:solidFill>
               </a:rPr>
-              <a:t> for data pipeline.</a:t>
-            </a:r>
-          </a:p>
-          <a:p>
-            <a:pPr lvl="1"/>
-            <a:r>
-              <a:rPr lang="en-US" sz="2800" dirty="0">
-                <a:solidFill>
-                  <a:schemeClr val="bg1"/>
-                </a:solidFill>
-              </a:rPr>
-              <a:t>Inbuilt snowflake functions for data cleaning.</a:t>
+              <a:t>Inbuilt Snowflake functions for data cleaning.</a:t>
             </a:r>
           </a:p>
           <a:p>
@@ -5793,12 +5777,41 @@
           </a:p>
         </p:txBody>
       </p:sp>
+      <p:sp>
+        <p:nvSpPr>
+          <p:cNvPr id="6" name="Slide Number Placeholder 5">
+            <a:extLst>
+              <a:ext uri="{FF2B5EF4-FFF2-40B4-BE49-F238E27FC236}">
+                <a16:creationId xmlns:a16="http://schemas.microsoft.com/office/drawing/2014/main" id="{5D59C331-7985-4F24-AC83-4818060FF4B9}"/>
+              </a:ext>
+            </a:extLst>
+          </p:cNvPr>
+          <p:cNvSpPr>
+            <a:spLocks noGrp="1"/>
+          </p:cNvSpPr>
+          <p:nvPr>
+            <p:ph type="sldNum" sz="quarter" idx="12"/>
+          </p:nvPr>
+        </p:nvSpPr>
+        <p:spPr/>
+        <p:txBody>
+          <a:bodyPr/>
+          <a:lstStyle/>
+          <a:p>
+            <a:fld id="{9998E223-E402-49BA-8352-9F9747C828DA}" type="slidenum">
+              <a:rPr lang="en-US" smtClean="0"/>
+              <a:t>7</a:t>
+            </a:fld>
+            <a:endParaRPr lang="en-US"/>
+          </a:p>
+        </p:txBody>
+      </p:sp>
       <p:pic>
         <p:nvPicPr>
-          <p:cNvPr id="8" name="Content Placeholder 7" descr="A picture containing kite, child, cloth&#10;&#10;Description generated with high confidence">
-            <a:extLst>
-              <a:ext uri="{FF2B5EF4-FFF2-40B4-BE49-F238E27FC236}">
-                <a16:creationId xmlns:a16="http://schemas.microsoft.com/office/drawing/2014/main" id="{3B1D817C-5412-43D1-A39F-614547CBC5DB}"/>
+          <p:cNvPr id="12" name="Content Placeholder 11">
+            <a:extLst>
+              <a:ext uri="{FF2B5EF4-FFF2-40B4-BE49-F238E27FC236}">
+                <a16:creationId xmlns:a16="http://schemas.microsoft.com/office/drawing/2014/main" id="{A9FF4527-96F8-413C-90D6-431305E0EA19}"/>
               </a:ext>
             </a:extLst>
           </p:cNvPr>
@@ -5823,40 +5836,14 @@
         </p:blipFill>
         <p:spPr>
           <a:xfrm>
-            <a:off x="2865306" y="1757959"/>
-            <a:ext cx="5750793" cy="3829352"/>
+            <a:off x="3753975" y="1825625"/>
+            <a:ext cx="4684049" cy="4351338"/>
           </a:xfrm>
+          <a:prstGeom prst="rect">
+            <a:avLst/>
+          </a:prstGeom>
         </p:spPr>
       </p:pic>
-      <p:sp>
-        <p:nvSpPr>
-          <p:cNvPr id="6" name="Slide Number Placeholder 5">
-            <a:extLst>
-              <a:ext uri="{FF2B5EF4-FFF2-40B4-BE49-F238E27FC236}">
-                <a16:creationId xmlns:a16="http://schemas.microsoft.com/office/drawing/2014/main" id="{5D59C331-7985-4F24-AC83-4818060FF4B9}"/>
-              </a:ext>
-            </a:extLst>
-          </p:cNvPr>
-          <p:cNvSpPr>
-            <a:spLocks noGrp="1"/>
-          </p:cNvSpPr>
-          <p:nvPr>
-            <p:ph type="sldNum" sz="quarter" idx="12"/>
-          </p:nvPr>
-        </p:nvSpPr>
-        <p:spPr/>
-        <p:txBody>
-          <a:bodyPr/>
-          <a:lstStyle/>
-          <a:p>
-            <a:fld id="{9998E223-E402-49BA-8352-9F9747C828DA}" type="slidenum">
-              <a:rPr lang="en-US" smtClean="0"/>
-              <a:t>7</a:t>
-            </a:fld>
-            <a:endParaRPr lang="en-US"/>
-          </a:p>
-        </p:txBody>
-      </p:sp>
     </p:spTree>
     <p:extLst>
       <p:ext uri="{BB962C8B-B14F-4D97-AF65-F5344CB8AC3E}">
@@ -6039,7 +6026,7 @@
         <p:spPr>
           <a:xfrm>
             <a:off x="622169" y="252866"/>
-            <a:ext cx="10759911" cy="906632"/>
+            <a:ext cx="10787511" cy="6107294"/>
           </a:xfrm>
         </p:spPr>
         <p:txBody>
@@ -6340,42 +6327,6 @@
           </a:p>
         </p:txBody>
       </p:sp>
-      <p:pic>
-        <p:nvPicPr>
-          <p:cNvPr id="3" name="Picture 2">
-            <a:extLst>
-              <a:ext uri="{FF2B5EF4-FFF2-40B4-BE49-F238E27FC236}">
-                <a16:creationId xmlns:a16="http://schemas.microsoft.com/office/drawing/2014/main" id="{76F0520E-E8A5-4D4D-B27C-6BC6C95FA54D}"/>
-              </a:ext>
-            </a:extLst>
-          </p:cNvPr>
-          <p:cNvPicPr>
-            <a:picLocks noChangeAspect="1"/>
-          </p:cNvPicPr>
-          <p:nvPr/>
-        </p:nvPicPr>
-        <p:blipFill>
-          <a:blip r:embed="rId4">
-            <a:extLst>
-              <a:ext uri="{28A0092B-C50C-407E-A947-70E740481C1C}">
-                <a14:useLocalDpi xmlns:a14="http://schemas.microsoft.com/office/drawing/2010/main" val="0"/>
-              </a:ext>
-            </a:extLst>
-          </a:blip>
-          <a:stretch>
-            <a:fillRect/>
-          </a:stretch>
-        </p:blipFill>
-        <p:spPr>
-          <a:xfrm>
-            <a:off x="3215005" y="1613853"/>
-            <a:ext cx="4824861" cy="4482148"/>
-          </a:xfrm>
-          <a:prstGeom prst="rect">
-            <a:avLst/>
-          </a:prstGeom>
-        </p:spPr>
-      </p:pic>
     </p:spTree>
     <p:extLst>
       <p:ext uri="{BB962C8B-B14F-4D97-AF65-F5344CB8AC3E}">
